--- a/Group 4 Project 1.pptx
+++ b/Group 4 Project 1.pptx
@@ -5,7 +5,7 @@
     <p:sldMasterId id="2147483648" r:id="rId1"/>
   </p:sldMasterIdLst>
   <p:notesMasterIdLst>
-    <p:notesMasterId r:id="rId15"/>
+    <p:notesMasterId r:id="rId16"/>
   </p:notesMasterIdLst>
   <p:sldIdLst>
     <p:sldId id="256" r:id="rId2"/>
@@ -18,9 +18,10 @@
     <p:sldId id="263" r:id="rId9"/>
     <p:sldId id="270" r:id="rId10"/>
     <p:sldId id="264" r:id="rId11"/>
-    <p:sldId id="273" r:id="rId12"/>
-    <p:sldId id="274" r:id="rId13"/>
-    <p:sldId id="265" r:id="rId14"/>
+    <p:sldId id="274" r:id="rId12"/>
+    <p:sldId id="275" r:id="rId13"/>
+    <p:sldId id="273" r:id="rId14"/>
+    <p:sldId id="265" r:id="rId15"/>
   </p:sldIdLst>
   <p:sldSz cx="12192000" cy="6858000"/>
   <p:notesSz cx="6858000" cy="9144000"/>
@@ -119,6 +120,11 @@
       </a:defRPr>
     </a:lvl9pPr>
   </p:defaultTextStyle>
+  <p:extLst>
+    <p:ext uri="{EFAFB233-063F-42B5-8137-9DF3F51BA10A}">
+      <p15:sldGuideLst xmlns:p15="http://schemas.microsoft.com/office/powerpoint/2012/main"/>
+    </p:ext>
+  </p:extLst>
 </p:presentation>
 </file>
 
@@ -204,7 +210,7 @@
           <a:p>
             <a:fld id="{59C05A34-EC74-48A3-8E13-56B43C69AF6E}" type="datetimeFigureOut">
               <a:rPr lang="en-US" smtClean="0"/>
-              <a:t>9/21/2020</a:t>
+              <a:t>9/22/2020</a:t>
             </a:fld>
             <a:endParaRPr lang="en-US"/>
           </a:p>
@@ -618,7 +624,7 @@
           <a:p>
             <a:fld id="{2DAA587F-0EDC-4890-A49F-56B4A270BDFE}" type="datetimeFigureOut">
               <a:rPr lang="en-US" smtClean="0"/>
-              <a:t>9/21/2020</a:t>
+              <a:t>9/22/2020</a:t>
             </a:fld>
             <a:endParaRPr lang="en-US"/>
           </a:p>
@@ -816,7 +822,7 @@
           <a:p>
             <a:fld id="{2DAA587F-0EDC-4890-A49F-56B4A270BDFE}" type="datetimeFigureOut">
               <a:rPr lang="en-US" smtClean="0"/>
-              <a:t>9/21/2020</a:t>
+              <a:t>9/22/2020</a:t>
             </a:fld>
             <a:endParaRPr lang="en-US"/>
           </a:p>
@@ -1024,7 +1030,7 @@
           <a:p>
             <a:fld id="{2DAA587F-0EDC-4890-A49F-56B4A270BDFE}" type="datetimeFigureOut">
               <a:rPr lang="en-US" smtClean="0"/>
-              <a:t>9/21/2020</a:t>
+              <a:t>9/22/2020</a:t>
             </a:fld>
             <a:endParaRPr lang="en-US"/>
           </a:p>
@@ -1222,7 +1228,7 @@
           <a:p>
             <a:fld id="{2DAA587F-0EDC-4890-A49F-56B4A270BDFE}" type="datetimeFigureOut">
               <a:rPr lang="en-US" smtClean="0"/>
-              <a:t>9/21/2020</a:t>
+              <a:t>9/22/2020</a:t>
             </a:fld>
             <a:endParaRPr lang="en-US"/>
           </a:p>
@@ -1497,7 +1503,7 @@
           <a:p>
             <a:fld id="{2DAA587F-0EDC-4890-A49F-56B4A270BDFE}" type="datetimeFigureOut">
               <a:rPr lang="en-US" smtClean="0"/>
-              <a:t>9/21/2020</a:t>
+              <a:t>9/22/2020</a:t>
             </a:fld>
             <a:endParaRPr lang="en-US"/>
           </a:p>
@@ -1762,7 +1768,7 @@
           <a:p>
             <a:fld id="{2DAA587F-0EDC-4890-A49F-56B4A270BDFE}" type="datetimeFigureOut">
               <a:rPr lang="en-US" smtClean="0"/>
-              <a:t>9/21/2020</a:t>
+              <a:t>9/22/2020</a:t>
             </a:fld>
             <a:endParaRPr lang="en-US"/>
           </a:p>
@@ -2174,7 +2180,7 @@
           <a:p>
             <a:fld id="{2DAA587F-0EDC-4890-A49F-56B4A270BDFE}" type="datetimeFigureOut">
               <a:rPr lang="en-US" smtClean="0"/>
-              <a:t>9/21/2020</a:t>
+              <a:t>9/22/2020</a:t>
             </a:fld>
             <a:endParaRPr lang="en-US"/>
           </a:p>
@@ -2315,7 +2321,7 @@
           <a:p>
             <a:fld id="{2DAA587F-0EDC-4890-A49F-56B4A270BDFE}" type="datetimeFigureOut">
               <a:rPr lang="en-US" smtClean="0"/>
-              <a:t>9/21/2020</a:t>
+              <a:t>9/22/2020</a:t>
             </a:fld>
             <a:endParaRPr lang="en-US"/>
           </a:p>
@@ -2428,7 +2434,7 @@
           <a:p>
             <a:fld id="{2DAA587F-0EDC-4890-A49F-56B4A270BDFE}" type="datetimeFigureOut">
               <a:rPr lang="en-US" smtClean="0"/>
-              <a:t>9/21/2020</a:t>
+              <a:t>9/22/2020</a:t>
             </a:fld>
             <a:endParaRPr lang="en-US"/>
           </a:p>
@@ -2739,7 +2745,7 @@
           <a:p>
             <a:fld id="{2DAA587F-0EDC-4890-A49F-56B4A270BDFE}" type="datetimeFigureOut">
               <a:rPr lang="en-US" smtClean="0"/>
-              <a:t>9/21/2020</a:t>
+              <a:t>9/22/2020</a:t>
             </a:fld>
             <a:endParaRPr lang="en-US"/>
           </a:p>
@@ -3027,7 +3033,7 @@
           <a:p>
             <a:fld id="{2DAA587F-0EDC-4890-A49F-56B4A270BDFE}" type="datetimeFigureOut">
               <a:rPr lang="en-US" smtClean="0"/>
-              <a:t>9/21/2020</a:t>
+              <a:t>9/22/2020</a:t>
             </a:fld>
             <a:endParaRPr lang="en-US"/>
           </a:p>
@@ -3268,7 +3274,7 @@
           <a:p>
             <a:fld id="{2DAA587F-0EDC-4890-A49F-56B4A270BDFE}" type="datetimeFigureOut">
               <a:rPr lang="en-US" smtClean="0"/>
-              <a:t>9/21/2020</a:t>
+              <a:t>9/22/2020</a:t>
             </a:fld>
             <a:endParaRPr lang="en-US"/>
           </a:p>
@@ -4359,37 +4365,8 @@
           <a:bodyPr rtlCol="0" anchor="ctr"/>
           <a:lstStyle/>
           <a:p>
-            <a:pPr marL="0" marR="0" lvl="0" indent="0" algn="ctr" defTabSz="914400" rtl="0" eaLnBrk="1" fontAlgn="auto" latinLnBrk="0" hangingPunct="1">
-              <a:lnSpc>
-                <a:spcPct val="100000"/>
-              </a:lnSpc>
-              <a:spcBef>
-                <a:spcPts val="0"/>
-              </a:spcBef>
-              <a:spcAft>
-                <a:spcPts val="0"/>
-              </a:spcAft>
-              <a:buClrTx/>
-              <a:buSzTx/>
-              <a:buFontTx/>
-              <a:buNone/>
-              <a:tabLst/>
-              <a:defRPr/>
-            </a:pPr>
-            <a:endParaRPr kumimoji="0" lang="en-US" sz="1800" b="0" i="0" u="none" strike="noStrike" kern="1200" cap="none" spc="0" normalizeH="0" baseline="0" noProof="0">
-              <a:ln>
-                <a:noFill/>
-              </a:ln>
-              <a:solidFill>
-                <a:prstClr val="white"/>
-              </a:solidFill>
-              <a:effectLst/>
-              <a:uLnTx/>
-              <a:uFillTx/>
-              <a:latin typeface="Calibri" panose="020F0502020204030204"/>
-              <a:ea typeface="+mn-ea"/>
-              <a:cs typeface="+mn-cs"/>
-            </a:endParaRPr>
+            <a:pPr algn="ctr"/>
+            <a:endParaRPr lang="en-US"/>
           </a:p>
         </p:txBody>
       </p:sp>
@@ -4434,61 +4411,28 @@
             <a:r>
               <a:rPr lang="en-US" sz="4800" kern="1200" dirty="0">
                 <a:solidFill>
-                  <a:schemeClr val="bg1"/>
+                  <a:srgbClr val="FFFFFF"/>
                 </a:solidFill>
                 <a:latin typeface="+mj-lt"/>
                 <a:ea typeface="+mj-ea"/>
                 <a:cs typeface="+mj-cs"/>
               </a:rPr>
-              <a:t>Texas and New York COVID Tests Performed Per Day</a:t>
-            </a:r>
-          </a:p>
-          <a:p>
-            <a:pPr marL="0" marR="0" lvl="0" indent="0" algn="ctr" defTabSz="914400" rtl="0" eaLnBrk="1" fontAlgn="auto" latinLnBrk="0" hangingPunct="1">
-              <a:lnSpc>
-                <a:spcPct val="90000"/>
-              </a:lnSpc>
-              <a:spcBef>
-                <a:spcPct val="0"/>
-              </a:spcBef>
-              <a:spcAft>
-                <a:spcPts val="600"/>
-              </a:spcAft>
-              <a:buClrTx/>
-              <a:buSzTx/>
-              <a:buFontTx/>
-              <a:buNone/>
-              <a:tabLst/>
-              <a:defRPr/>
-            </a:pPr>
-            <a:endParaRPr kumimoji="0" lang="en-US" sz="4800" b="0" i="0" u="none" strike="noStrike" kern="1200" cap="none" spc="0" normalizeH="0" baseline="0" noProof="0" dirty="0">
-              <a:ln>
-                <a:noFill/>
-              </a:ln>
-              <a:solidFill>
-                <a:srgbClr val="FFFFFF"/>
-              </a:solidFill>
-              <a:effectLst/>
-              <a:uLnTx/>
-              <a:uFillTx/>
-              <a:latin typeface="Calibri Light" panose="020F0302020204030204"/>
-              <a:ea typeface="+mn-ea"/>
-              <a:cs typeface="+mn-cs"/>
-            </a:endParaRPr>
+              <a:t>Outliers for Texas and New York Positive Tests</a:t>
+            </a:r>
           </a:p>
         </p:txBody>
       </p:sp>
       <p:pic>
         <p:nvPicPr>
-          <p:cNvPr id="3" name="Picture 2">
-            <a:extLst>
-              <a:ext uri="{FF2B5EF4-FFF2-40B4-BE49-F238E27FC236}">
-                <a16:creationId xmlns:a16="http://schemas.microsoft.com/office/drawing/2014/main" id="{59C37835-7126-4E6C-BE4C-1C9F5E4BC6D7}"/>
+          <p:cNvPr id="3" name="Picture 2" descr="A picture containing light, table&#10;&#10;Description automatically generated">
+            <a:extLst>
+              <a:ext uri="{FF2B5EF4-FFF2-40B4-BE49-F238E27FC236}">
+                <a16:creationId xmlns:a16="http://schemas.microsoft.com/office/drawing/2014/main" id="{73A3B8F4-88FA-478E-A327-4F232FCC8D5E}"/>
               </a:ext>
             </a:extLst>
           </p:cNvPr>
           <p:cNvPicPr>
-            <a:picLocks noChangeAspect="1" noChangeArrowheads="1"/>
+            <a:picLocks noChangeAspect="1"/>
           </p:cNvPicPr>
           <p:nvPr/>
         </p:nvPicPr>
@@ -4500,35 +4444,24 @@
               </a:ext>
             </a:extLst>
           </a:blip>
-          <a:srcRect/>
           <a:stretch>
             <a:fillRect/>
           </a:stretch>
         </p:blipFill>
-        <p:spPr bwMode="auto">
+        <p:spPr>
           <a:xfrm>
-            <a:off x="4919241" y="170726"/>
-            <a:ext cx="7272759" cy="6438418"/>
+            <a:off x="4934730" y="742951"/>
+            <a:ext cx="6756217" cy="5067163"/>
           </a:xfrm>
           <a:prstGeom prst="rect">
             <a:avLst/>
           </a:prstGeom>
-          <a:noFill/>
-          <a:extLst>
-            <a:ext uri="{909E8E84-426E-40DD-AFC4-6F175D3DCCD1}">
-              <a14:hiddenFill xmlns:a14="http://schemas.microsoft.com/office/drawing/2010/main">
-                <a:solidFill>
-                  <a:srgbClr val="FFFFFF"/>
-                </a:solidFill>
-              </a14:hiddenFill>
-            </a:ext>
-          </a:extLst>
         </p:spPr>
       </p:pic>
     </p:spTree>
     <p:extLst>
       <p:ext uri="{BB962C8B-B14F-4D97-AF65-F5344CB8AC3E}">
-        <p14:creationId xmlns:p14="http://schemas.microsoft.com/office/powerpoint/2010/main" val="1646766844"/>
+        <p14:creationId xmlns:p14="http://schemas.microsoft.com/office/powerpoint/2010/main" val="2257434444"/>
       </p:ext>
     </p:extLst>
   </p:cSld>
@@ -4623,6 +4556,208 @@
           <a:bodyPr rtlCol="0" anchor="ctr"/>
           <a:lstStyle/>
           <a:p>
+            <a:pPr algn="ctr"/>
+            <a:endParaRPr lang="en-US"/>
+          </a:p>
+        </p:txBody>
+      </p:sp>
+      <p:sp>
+        <p:nvSpPr>
+          <p:cNvPr id="2" name="TextBox 1">
+            <a:extLst>
+              <a:ext uri="{FF2B5EF4-FFF2-40B4-BE49-F238E27FC236}">
+                <a16:creationId xmlns:a16="http://schemas.microsoft.com/office/drawing/2014/main" id="{3527185D-2E80-4BD8-8EAE-4C2D3413AE08}"/>
+              </a:ext>
+            </a:extLst>
+          </p:cNvPr>
+          <p:cNvSpPr txBox="1"/>
+          <p:nvPr/>
+        </p:nvSpPr>
+        <p:spPr>
+          <a:xfrm>
+            <a:off x="742950" y="742951"/>
+            <a:ext cx="3476625" cy="4962524"/>
+          </a:xfrm>
+          <a:prstGeom prst="rect">
+            <a:avLst/>
+          </a:prstGeom>
+        </p:spPr>
+        <p:txBody>
+          <a:bodyPr vert="horz" lIns="91440" tIns="45720" rIns="91440" bIns="45720" rtlCol="0" anchor="ctr">
+            <a:normAutofit/>
+          </a:bodyPr>
+          <a:lstStyle/>
+          <a:p>
+            <a:pPr algn="ctr">
+              <a:lnSpc>
+                <a:spcPct val="90000"/>
+              </a:lnSpc>
+              <a:spcBef>
+                <a:spcPct val="0"/>
+              </a:spcBef>
+              <a:spcAft>
+                <a:spcPts val="600"/>
+              </a:spcAft>
+            </a:pPr>
+            <a:r>
+              <a:rPr lang="en-US" sz="4800" kern="1200" dirty="0">
+                <a:solidFill>
+                  <a:schemeClr val="bg1"/>
+                </a:solidFill>
+                <a:latin typeface="+mj-lt"/>
+                <a:ea typeface="+mj-ea"/>
+                <a:cs typeface="+mj-cs"/>
+              </a:rPr>
+              <a:t>Texas and New York COVID Tests Performed Per Day</a:t>
+            </a:r>
+          </a:p>
+        </p:txBody>
+      </p:sp>
+      <p:pic>
+        <p:nvPicPr>
+          <p:cNvPr id="4" name="Picture 8">
+            <a:extLst>
+              <a:ext uri="{FF2B5EF4-FFF2-40B4-BE49-F238E27FC236}">
+                <a16:creationId xmlns:a16="http://schemas.microsoft.com/office/drawing/2014/main" id="{45756307-E9AB-4E35-A614-D6E77FA990D0}"/>
+              </a:ext>
+            </a:extLst>
+          </p:cNvPr>
+          <p:cNvPicPr>
+            <a:picLocks noChangeAspect="1" noChangeArrowheads="1"/>
+          </p:cNvPicPr>
+          <p:nvPr/>
+        </p:nvPicPr>
+        <p:blipFill>
+          <a:blip r:embed="rId2">
+            <a:extLst>
+              <a:ext uri="{28A0092B-C50C-407E-A947-70E740481C1C}">
+                <a14:useLocalDpi xmlns:a14="http://schemas.microsoft.com/office/drawing/2010/main" val="0"/>
+              </a:ext>
+            </a:extLst>
+          </a:blip>
+          <a:srcRect/>
+          <a:stretch>
+            <a:fillRect/>
+          </a:stretch>
+        </p:blipFill>
+        <p:spPr bwMode="auto">
+          <a:xfrm>
+            <a:off x="4923903" y="626515"/>
+            <a:ext cx="6931213" cy="5195396"/>
+          </a:xfrm>
+          <a:prstGeom prst="rect">
+            <a:avLst/>
+          </a:prstGeom>
+          <a:noFill/>
+          <a:extLst>
+            <a:ext uri="{909E8E84-426E-40DD-AFC4-6F175D3DCCD1}">
+              <a14:hiddenFill xmlns:a14="http://schemas.microsoft.com/office/drawing/2010/main">
+                <a:solidFill>
+                  <a:srgbClr val="FFFFFF"/>
+                </a:solidFill>
+              </a14:hiddenFill>
+            </a:ext>
+          </a:extLst>
+        </p:spPr>
+      </p:pic>
+    </p:spTree>
+    <p:extLst>
+      <p:ext uri="{BB962C8B-B14F-4D97-AF65-F5344CB8AC3E}">
+        <p14:creationId xmlns:p14="http://schemas.microsoft.com/office/powerpoint/2010/main" val="3489683980"/>
+      </p:ext>
+    </p:extLst>
+  </p:cSld>
+  <p:clrMapOvr>
+    <a:masterClrMapping/>
+  </p:clrMapOvr>
+</p:sld>
+</file>
+
+<file path=ppt/slides/slide13.xml><?xml version="1.0" encoding="utf-8"?>
+<p:sld xmlns:a="http://schemas.openxmlformats.org/drawingml/2006/main" xmlns:r="http://schemas.openxmlformats.org/officeDocument/2006/relationships" xmlns:p="http://schemas.openxmlformats.org/presentationml/2006/main">
+  <p:cSld>
+    <p:bg>
+      <p:bgPr>
+        <a:solidFill>
+          <a:schemeClr val="bg1"/>
+        </a:solidFill>
+        <a:effectLst/>
+      </p:bgPr>
+    </p:bg>
+    <p:spTree>
+      <p:nvGrpSpPr>
+        <p:cNvPr id="1" name=""/>
+        <p:cNvGrpSpPr/>
+        <p:nvPr/>
+      </p:nvGrpSpPr>
+      <p:grpSpPr>
+        <a:xfrm>
+          <a:off x="0" y="0"/>
+          <a:ext cx="0" cy="0"/>
+          <a:chOff x="0" y="0"/>
+          <a:chExt cx="0" cy="0"/>
+        </a:xfrm>
+      </p:grpSpPr>
+      <p:sp>
+        <p:nvSpPr>
+          <p:cNvPr id="71" name="Rectangle 70">
+            <a:extLst>
+              <a:ext uri="{FF2B5EF4-FFF2-40B4-BE49-F238E27FC236}">
+                <a16:creationId xmlns:a16="http://schemas.microsoft.com/office/drawing/2014/main" id="{1707FC24-6981-43D9-B525-C7832BA22463}"/>
+              </a:ext>
+              <a:ext uri="{C183D7F6-B498-43B3-948B-1728B52AA6E4}">
+                <adec:decorative xmlns:adec="http://schemas.microsoft.com/office/drawing/2017/decorative" val="1"/>
+              </a:ext>
+            </a:extLst>
+          </p:cNvPr>
+          <p:cNvSpPr>
+            <a:spLocks noGrp="1" noRot="1" noChangeAspect="1" noMove="1" noResize="1" noEditPoints="1" noAdjustHandles="1" noChangeArrowheads="1" noChangeShapeType="1" noTextEdit="1"/>
+          </p:cNvSpPr>
+          <p:nvPr>
+            <p:extLst>
+              <p:ext uri="{386F3935-93C4-4BCD-93E2-E3B085C9AB24}">
+                <p16:designElem xmlns:p16="http://schemas.microsoft.com/office/powerpoint/2015/main" val="1"/>
+              </p:ext>
+            </p:extLst>
+          </p:nvPr>
+        </p:nvSpPr>
+        <p:spPr bwMode="ltGray">
+          <a:xfrm>
+            <a:off x="336884" y="311449"/>
+            <a:ext cx="4332307" cy="6179552"/>
+          </a:xfrm>
+          <a:prstGeom prst="rect">
+            <a:avLst/>
+          </a:prstGeom>
+          <a:solidFill>
+            <a:srgbClr val="404040"/>
+          </a:solidFill>
+          <a:ln w="127000" cap="sq" cmpd="thinThick">
+            <a:solidFill>
+              <a:srgbClr val="404040"/>
+            </a:solidFill>
+          </a:ln>
+        </p:spPr>
+        <p:style>
+          <a:lnRef idx="2">
+            <a:schemeClr val="accent1">
+              <a:shade val="50000"/>
+            </a:schemeClr>
+          </a:lnRef>
+          <a:fillRef idx="1">
+            <a:schemeClr val="accent1"/>
+          </a:fillRef>
+          <a:effectRef idx="0">
+            <a:schemeClr val="accent1"/>
+          </a:effectRef>
+          <a:fontRef idx="minor">
+            <a:schemeClr val="lt1"/>
+          </a:fontRef>
+        </p:style>
+        <p:txBody>
+          <a:bodyPr rtlCol="0" anchor="ctr"/>
+          <a:lstStyle/>
+          <a:p>
             <a:pPr marL="0" marR="0" lvl="0" indent="0" algn="ctr" defTabSz="914400" rtl="0" eaLnBrk="1" fontAlgn="auto" latinLnBrk="0" hangingPunct="1">
               <a:lnSpc>
                 <a:spcPct val="100000"/>
@@ -4716,7 +4851,7 @@
                 <a:ea typeface="+mn-ea"/>
                 <a:cs typeface="+mn-cs"/>
               </a:rPr>
-              <a:t>Texas and New York COVID Tests Performed Per Day</a:t>
+              <a:t>Texas and NY Positive Tests</a:t>
             </a:r>
           </a:p>
           <a:p>
@@ -4756,10 +4891,10 @@
       </p:sp>
       <p:pic>
         <p:nvPicPr>
-          <p:cNvPr id="4" name="Picture 2">
-            <a:extLst>
-              <a:ext uri="{FF2B5EF4-FFF2-40B4-BE49-F238E27FC236}">
-                <a16:creationId xmlns:a16="http://schemas.microsoft.com/office/drawing/2014/main" id="{7B9A80DE-1C1D-4577-824A-FDF753836DB8}"/>
+          <p:cNvPr id="4" name="Picture 6">
+            <a:extLst>
+              <a:ext uri="{FF2B5EF4-FFF2-40B4-BE49-F238E27FC236}">
+                <a16:creationId xmlns:a16="http://schemas.microsoft.com/office/drawing/2014/main" id="{5190809E-90DB-4A4E-B9F6-AD6F83F1A2BA}"/>
               </a:ext>
             </a:extLst>
           </p:cNvPr>
@@ -4776,14 +4911,15 @@
               </a:ext>
             </a:extLst>
           </a:blip>
+          <a:srcRect/>
           <a:stretch>
             <a:fillRect/>
           </a:stretch>
         </p:blipFill>
         <p:spPr bwMode="auto">
           <a:xfrm>
-            <a:off x="4807193" y="262035"/>
-            <a:ext cx="7047923" cy="6278379"/>
+            <a:off x="4871803" y="754114"/>
+            <a:ext cx="7266509" cy="5294221"/>
           </a:xfrm>
           <a:prstGeom prst="rect">
             <a:avLst/>
@@ -4803,7 +4939,7 @@
     </p:spTree>
     <p:extLst>
       <p:ext uri="{BB962C8B-B14F-4D97-AF65-F5344CB8AC3E}">
-        <p14:creationId xmlns:p14="http://schemas.microsoft.com/office/powerpoint/2010/main" val="1090730879"/>
+        <p14:creationId xmlns:p14="http://schemas.microsoft.com/office/powerpoint/2010/main" val="1646766844"/>
       </p:ext>
     </p:extLst>
   </p:cSld>
@@ -4813,7 +4949,7 @@
 </p:sld>
 </file>
 
-<file path=ppt/slides/slide13.xml><?xml version="1.0" encoding="utf-8"?>
+<file path=ppt/slides/slide14.xml><?xml version="1.0" encoding="utf-8"?>
 <p:sld xmlns:a="http://schemas.openxmlformats.org/drawingml/2006/main" xmlns:r="http://schemas.openxmlformats.org/officeDocument/2006/relationships" xmlns:p="http://schemas.openxmlformats.org/presentationml/2006/main">
   <p:cSld>
     <p:bg>
